--- a/CSSE4011_poster.pptx
+++ b/CSSE4011_poster.pptx
@@ -253,7 +253,7 @@
               <a:pPr>
                 <a:defRPr/>
               </a:pPr>
-              <a:t>5/22/2021</a:t>
+              <a:t>5/24/2021</a:t>
             </a:fld>
             <a:endParaRPr lang="en-US"/>
           </a:p>
@@ -763,7 +763,7 @@
               <a:pPr>
                 <a:defRPr/>
               </a:pPr>
-              <a:t>5/22/2021</a:t>
+              <a:t>5/24/2021</a:t>
             </a:fld>
             <a:endParaRPr lang="en-US"/>
           </a:p>
@@ -1569,14 +1569,14 @@
           </a:ln>
           <a:extLst>
             <a:ext uri="{909E8E84-426E-40dd-AFC4-6F175D3DCCD1}">
-              <a14:hiddenFill xmlns="" xmlns:a14="http://schemas.microsoft.com/office/drawing/2010/main">
+              <a14:hiddenFill xmlns:a14="http://schemas.microsoft.com/office/drawing/2010/main" xmlns="">
                 <a:solidFill>
                   <a:srgbClr val="FFFFFF"/>
                 </a:solidFill>
               </a14:hiddenFill>
             </a:ext>
             <a:ext uri="{91240B29-F687-4f45-9708-019B960494DF}">
-              <a14:hiddenLine xmlns="" xmlns:a14="http://schemas.microsoft.com/office/drawing/2010/main" w="9525">
+              <a14:hiddenLine xmlns:a14="http://schemas.microsoft.com/office/drawing/2010/main" xmlns="" w="9525">
                 <a:solidFill>
                   <a:srgbClr val="000000"/>
                 </a:solidFill>
@@ -1628,14 +1628,14 @@
           </a:ln>
           <a:extLst>
             <a:ext uri="{909E8E84-426E-40dd-AFC4-6F175D3DCCD1}">
-              <a14:hiddenFill xmlns="" xmlns:a14="http://schemas.microsoft.com/office/drawing/2010/main">
+              <a14:hiddenFill xmlns:a14="http://schemas.microsoft.com/office/drawing/2010/main" xmlns="">
                 <a:solidFill>
                   <a:srgbClr val="FFFFFF"/>
                 </a:solidFill>
               </a14:hiddenFill>
             </a:ext>
             <a:ext uri="{91240B29-F687-4f45-9708-019B960494DF}">
-              <a14:hiddenLine xmlns="" xmlns:a14="http://schemas.microsoft.com/office/drawing/2010/main" w="9525">
+              <a14:hiddenLine xmlns:a14="http://schemas.microsoft.com/office/drawing/2010/main" xmlns="" w="9525">
                 <a:solidFill>
                   <a:srgbClr val="000000"/>
                 </a:solidFill>
@@ -1735,7 +1735,7 @@
               <a:pPr>
                 <a:defRPr/>
               </a:pPr>
-              <a:t>5/22/2021</a:t>
+              <a:t>5/24/2021</a:t>
             </a:fld>
             <a:endParaRPr lang="en-US"/>
           </a:p>
@@ -2275,7 +2275,7 @@
         <p:spPr>
           <a:xfrm>
             <a:off x="112713" y="1270000"/>
-            <a:ext cx="3498850" cy="7656513"/>
+            <a:ext cx="3498850" cy="3808627"/>
           </a:xfrm>
           <a:ln/>
         </p:spPr>
@@ -2468,8 +2468,8 @@
         </p:nvSpPr>
         <p:spPr>
           <a:xfrm>
-            <a:off x="5513654" y="1269355"/>
-            <a:ext cx="3500437" cy="441325"/>
+            <a:off x="5513655" y="1269355"/>
+            <a:ext cx="2555308" cy="441325"/>
           </a:xfrm>
           <a:ln/>
         </p:spPr>
@@ -2577,7 +2577,7 @@
         </p:nvSpPr>
         <p:spPr bwMode="auto">
           <a:xfrm>
-            <a:off x="6295821" y="7667623"/>
+            <a:off x="6576652" y="5610860"/>
             <a:ext cx="3500437" cy="441325"/>
           </a:xfrm>
           <a:prstGeom prst="rect">
@@ -2592,14 +2592,14 @@
           </a:ln>
           <a:extLst>
             <a:ext uri="{909E8E84-426E-40dd-AFC4-6F175D3DCCD1}">
-              <a14:hiddenFill xmlns="" xmlns:a14="http://schemas.microsoft.com/office/drawing/2010/main">
+              <a14:hiddenFill xmlns:a14="http://schemas.microsoft.com/office/drawing/2010/main" xmlns="">
                 <a:solidFill>
                   <a:srgbClr val="FFFFFF"/>
                 </a:solidFill>
               </a14:hiddenFill>
             </a:ext>
             <a:ext uri="{91240B29-F687-4f45-9708-019B960494DF}">
-              <a14:hiddenLine xmlns="" xmlns:a14="http://schemas.microsoft.com/office/drawing/2010/main" w="9525">
+              <a14:hiddenLine xmlns:a14="http://schemas.microsoft.com/office/drawing/2010/main" xmlns="" w="9525">
                 <a:solidFill>
                   <a:srgbClr val="000000"/>
                 </a:solidFill>
@@ -2814,14 +2814,14 @@
           </a:ln>
           <a:extLst>
             <a:ext uri="{909E8E84-426E-40dd-AFC4-6F175D3DCCD1}">
-              <a14:hiddenFill xmlns="" xmlns:a14="http://schemas.microsoft.com/office/drawing/2010/main">
+              <a14:hiddenFill xmlns:a14="http://schemas.microsoft.com/office/drawing/2010/main" xmlns="">
                 <a:solidFill>
                   <a:srgbClr val="FFFFFF"/>
                 </a:solidFill>
               </a14:hiddenFill>
             </a:ext>
             <a:ext uri="{91240B29-F687-4f45-9708-019B960494DF}">
-              <a14:hiddenLine xmlns="" xmlns:a14="http://schemas.microsoft.com/office/drawing/2010/main" w="9525">
+              <a14:hiddenLine xmlns:a14="http://schemas.microsoft.com/office/drawing/2010/main" xmlns="" w="9525">
                 <a:solidFill>
                   <a:srgbClr val="000000"/>
                 </a:solidFill>
@@ -3042,10 +3042,40 @@
       </p:sp>
       <p:pic>
         <p:nvPicPr>
-          <p:cNvPr id="10" name="Content Placeholder 9" descr="Diagram&#10;&#10;Description automatically generated">
+          <p:cNvPr id="3" name="Picture 2" descr="Diagram&#10;&#10;Description automatically generated">
             <a:extLst>
               <a:ext uri="{FF2B5EF4-FFF2-40B4-BE49-F238E27FC236}">
-                <a16:creationId xmlns:a16="http://schemas.microsoft.com/office/drawing/2014/main" id="{E552B4F3-AE95-456B-93DA-F1F98693A737}"/>
+                <a16:creationId xmlns:a16="http://schemas.microsoft.com/office/drawing/2014/main" id="{DF74F9B7-38D2-473F-A973-04960EAD4AD6}"/>
+              </a:ext>
+            </a:extLst>
+          </p:cNvPr>
+          <p:cNvPicPr>
+            <a:picLocks noChangeAspect="1"/>
+          </p:cNvPicPr>
+          <p:nvPr/>
+        </p:nvPicPr>
+        <p:blipFill>
+          <a:blip r:embed="rId2"/>
+          <a:stretch>
+            <a:fillRect/>
+          </a:stretch>
+        </p:blipFill>
+        <p:spPr>
+          <a:xfrm>
+            <a:off x="4377797" y="1619217"/>
+            <a:ext cx="5772150" cy="4057650"/>
+          </a:xfrm>
+          <a:prstGeom prst="rect">
+            <a:avLst/>
+          </a:prstGeom>
+        </p:spPr>
+      </p:pic>
+      <p:pic>
+        <p:nvPicPr>
+          <p:cNvPr id="7" name="Content Placeholder 6" descr="Diagram&#10;&#10;Description automatically generated">
+            <a:extLst>
+              <a:ext uri="{FF2B5EF4-FFF2-40B4-BE49-F238E27FC236}">
+                <a16:creationId xmlns:a16="http://schemas.microsoft.com/office/drawing/2014/main" id="{84D76BC5-D3AD-4F1A-A6EC-D52F13495862}"/>
               </a:ext>
             </a:extLst>
           </p:cNvPr>
@@ -3057,33 +3087,6 @@
           </p:nvPr>
         </p:nvPicPr>
         <p:blipFill>
-          <a:blip r:embed="rId2"/>
-          <a:stretch>
-            <a:fillRect/>
-          </a:stretch>
-        </p:blipFill>
-        <p:spPr>
-          <a:xfrm>
-            <a:off x="1265677" y="7993972"/>
-            <a:ext cx="12227633" cy="2081299"/>
-          </a:xfrm>
-        </p:spPr>
-      </p:pic>
-      <p:pic>
-        <p:nvPicPr>
-          <p:cNvPr id="12" name="Picture 11" descr="Diagram&#10;&#10;Description automatically generated">
-            <a:extLst>
-              <a:ext uri="{FF2B5EF4-FFF2-40B4-BE49-F238E27FC236}">
-                <a16:creationId xmlns:a16="http://schemas.microsoft.com/office/drawing/2014/main" id="{C757783E-DC6B-4A44-A809-CCB7AD6D9B49}"/>
-              </a:ext>
-            </a:extLst>
-          </p:cNvPr>
-          <p:cNvPicPr>
-            <a:picLocks noChangeAspect="1"/>
-          </p:cNvPicPr>
-          <p:nvPr/>
-        </p:nvPicPr>
-        <p:blipFill>
           <a:blip r:embed="rId3"/>
           <a:stretch>
             <a:fillRect/>
@@ -3091,14 +3094,283 @@
         </p:blipFill>
         <p:spPr>
           <a:xfrm>
-            <a:off x="4372436" y="1889462"/>
-            <a:ext cx="4724400" cy="4676775"/>
+            <a:off x="4377797" y="5973179"/>
+            <a:ext cx="6700818" cy="3686759"/>
+          </a:xfrm>
+        </p:spPr>
+      </p:pic>
+      <p:sp>
+        <p:nvSpPr>
+          <p:cNvPr id="17" name="Content Placeholder 1">
+            <a:extLst>
+              <a:ext uri="{FF2B5EF4-FFF2-40B4-BE49-F238E27FC236}">
+                <a16:creationId xmlns:a16="http://schemas.microsoft.com/office/drawing/2014/main" id="{F485966F-3608-40C3-A8A8-6A3FE0D018CB}"/>
+              </a:ext>
+            </a:extLst>
+          </p:cNvPr>
+          <p:cNvSpPr txBox="1">
+            <a:spLocks/>
+          </p:cNvSpPr>
+          <p:nvPr/>
+        </p:nvSpPr>
+        <p:spPr bwMode="auto">
+          <a:xfrm>
+            <a:off x="124159" y="4868863"/>
+            <a:ext cx="3498850" cy="4057650"/>
           </a:xfrm>
           <a:prstGeom prst="rect">
             <a:avLst/>
           </a:prstGeom>
+          <a:noFill/>
+          <a:ln w="9525">
+            <a:noFill/>
+            <a:miter lim="800000"/>
+            <a:headEnd/>
+            <a:tailEnd/>
+          </a:ln>
+          <a:extLst>
+            <a:ext uri="{909E8E84-426E-40dd-AFC4-6F175D3DCCD1}">
+              <a14:hiddenFill xmlns:a14="http://schemas.microsoft.com/office/drawing/2010/main" xmlns="">
+                <a:solidFill>
+                  <a:srgbClr val="FFFFFF"/>
+                </a:solidFill>
+              </a14:hiddenFill>
+            </a:ext>
+            <a:ext uri="{91240B29-F687-4f45-9708-019B960494DF}">
+              <a14:hiddenLine xmlns:a14="http://schemas.microsoft.com/office/drawing/2010/main" xmlns="" w="9525">
+                <a:solidFill>
+                  <a:srgbClr val="000000"/>
+                </a:solidFill>
+                <a:miter lim="800000"/>
+                <a:headEnd/>
+                <a:tailEnd/>
+              </a14:hiddenLine>
+            </a:ext>
+          </a:extLst>
         </p:spPr>
-      </p:pic>
+        <p:txBody>
+          <a:bodyPr vert="horz" wrap="square" lIns="143378" tIns="71689" rIns="143378" bIns="71689" numCol="1" anchor="t" anchorCtr="0" compatLnSpc="1">
+            <a:prstTxWarp prst="textNoShape">
+              <a:avLst/>
+            </a:prstTxWarp>
+          </a:bodyPr>
+          <a:lstStyle>
+            <a:lvl1pPr marL="0" indent="0" algn="l" defTabSz="715963" rtl="0" eaLnBrk="0" fontAlgn="base" hangingPunct="0">
+              <a:spcBef>
+                <a:spcPct val="20000"/>
+              </a:spcBef>
+              <a:spcAft>
+                <a:spcPct val="0"/>
+              </a:spcAft>
+              <a:buFont typeface="Arial" charset="0"/>
+              <a:buNone/>
+              <a:defRPr sz="1400" kern="1200">
+                <a:solidFill>
+                  <a:schemeClr val="tx1"/>
+                </a:solidFill>
+                <a:latin typeface="Helvetica Neue"/>
+                <a:ea typeface="Geneva" charset="-128"/>
+                <a:cs typeface="Helvetica Neue"/>
+              </a:defRPr>
+            </a:lvl1pPr>
+            <a:lvl2pPr marL="1163638" indent="-447675" algn="l" defTabSz="715963" rtl="0" eaLnBrk="0" fontAlgn="base" hangingPunct="0">
+              <a:spcBef>
+                <a:spcPct val="20000"/>
+              </a:spcBef>
+              <a:spcAft>
+                <a:spcPct val="0"/>
+              </a:spcAft>
+              <a:buFont typeface="Arial" charset="0"/>
+              <a:buNone/>
+              <a:defRPr sz="1800" kern="1200">
+                <a:solidFill>
+                  <a:schemeClr val="tx1"/>
+                </a:solidFill>
+                <a:latin typeface="Helvetica Neue"/>
+                <a:ea typeface="Geneva" charset="-128"/>
+                <a:cs typeface="Helvetica Neue"/>
+              </a:defRPr>
+            </a:lvl2pPr>
+            <a:lvl3pPr marL="1790700" indent="-357188" algn="l" defTabSz="715963" rtl="0" eaLnBrk="0" fontAlgn="base" hangingPunct="0">
+              <a:spcBef>
+                <a:spcPct val="20000"/>
+              </a:spcBef>
+              <a:spcAft>
+                <a:spcPct val="0"/>
+              </a:spcAft>
+              <a:buFont typeface="Arial" charset="0"/>
+              <a:buNone/>
+              <a:defRPr sz="1800" kern="1200">
+                <a:solidFill>
+                  <a:schemeClr val="tx1"/>
+                </a:solidFill>
+                <a:latin typeface="Helvetica Neue"/>
+                <a:ea typeface="Geneva" charset="-128"/>
+                <a:cs typeface="Helvetica Neue"/>
+              </a:defRPr>
+            </a:lvl3pPr>
+            <a:lvl4pPr marL="2508250" indent="-357188" algn="l" defTabSz="715963" rtl="0" eaLnBrk="0" fontAlgn="base" hangingPunct="0">
+              <a:spcBef>
+                <a:spcPct val="20000"/>
+              </a:spcBef>
+              <a:spcAft>
+                <a:spcPct val="0"/>
+              </a:spcAft>
+              <a:buFont typeface="Arial" charset="0"/>
+              <a:buNone/>
+              <a:defRPr sz="1800" kern="1200">
+                <a:solidFill>
+                  <a:schemeClr val="tx1"/>
+                </a:solidFill>
+                <a:latin typeface="Helvetica Neue"/>
+                <a:ea typeface="Geneva" charset="-128"/>
+                <a:cs typeface="Helvetica Neue"/>
+              </a:defRPr>
+            </a:lvl4pPr>
+            <a:lvl5pPr marL="3225800" indent="-357188" algn="l" defTabSz="715963" rtl="0" eaLnBrk="0" fontAlgn="base" hangingPunct="0">
+              <a:spcBef>
+                <a:spcPct val="20000"/>
+              </a:spcBef>
+              <a:spcAft>
+                <a:spcPct val="0"/>
+              </a:spcAft>
+              <a:buFont typeface="Arial" charset="0"/>
+              <a:buNone/>
+              <a:defRPr sz="1800" kern="1200">
+                <a:solidFill>
+                  <a:schemeClr val="tx1"/>
+                </a:solidFill>
+                <a:latin typeface="Helvetica Neue"/>
+                <a:ea typeface="Geneva" charset="-128"/>
+                <a:cs typeface="Helvetica Neue"/>
+              </a:defRPr>
+            </a:lvl5pPr>
+            <a:lvl6pPr marL="3942893" indent="-358445" algn="l" defTabSz="716890" rtl="0" eaLnBrk="1" latinLnBrk="0" hangingPunct="1">
+              <a:spcBef>
+                <a:spcPct val="20000"/>
+              </a:spcBef>
+              <a:buFont typeface="Arial"/>
+              <a:buChar char="•"/>
+              <a:defRPr sz="3100" kern="1200">
+                <a:solidFill>
+                  <a:schemeClr val="tx1"/>
+                </a:solidFill>
+                <a:latin typeface="+mn-lt"/>
+                <a:ea typeface="+mn-ea"/>
+                <a:cs typeface="+mn-cs"/>
+              </a:defRPr>
+            </a:lvl6pPr>
+            <a:lvl7pPr marL="4659782" indent="-358445" algn="l" defTabSz="716890" rtl="0" eaLnBrk="1" latinLnBrk="0" hangingPunct="1">
+              <a:spcBef>
+                <a:spcPct val="20000"/>
+              </a:spcBef>
+              <a:buFont typeface="Arial"/>
+              <a:buChar char="•"/>
+              <a:defRPr sz="3100" kern="1200">
+                <a:solidFill>
+                  <a:schemeClr val="tx1"/>
+                </a:solidFill>
+                <a:latin typeface="+mn-lt"/>
+                <a:ea typeface="+mn-ea"/>
+                <a:cs typeface="+mn-cs"/>
+              </a:defRPr>
+            </a:lvl7pPr>
+            <a:lvl8pPr marL="5376672" indent="-358445" algn="l" defTabSz="716890" rtl="0" eaLnBrk="1" latinLnBrk="0" hangingPunct="1">
+              <a:spcBef>
+                <a:spcPct val="20000"/>
+              </a:spcBef>
+              <a:buFont typeface="Arial"/>
+              <a:buChar char="•"/>
+              <a:defRPr sz="3100" kern="1200">
+                <a:solidFill>
+                  <a:schemeClr val="tx1"/>
+                </a:solidFill>
+                <a:latin typeface="+mn-lt"/>
+                <a:ea typeface="+mn-ea"/>
+                <a:cs typeface="+mn-cs"/>
+              </a:defRPr>
+            </a:lvl8pPr>
+            <a:lvl9pPr marL="6093562" indent="-358445" algn="l" defTabSz="716890" rtl="0" eaLnBrk="1" latinLnBrk="0" hangingPunct="1">
+              <a:spcBef>
+                <a:spcPct val="20000"/>
+              </a:spcBef>
+              <a:buFont typeface="Arial"/>
+              <a:buChar char="•"/>
+              <a:defRPr sz="3100" kern="1200">
+                <a:solidFill>
+                  <a:schemeClr val="tx1"/>
+                </a:solidFill>
+                <a:latin typeface="+mn-lt"/>
+                <a:ea typeface="+mn-ea"/>
+                <a:cs typeface="+mn-cs"/>
+              </a:defRPr>
+            </a:lvl9pPr>
+          </a:lstStyle>
+          <a:p>
+            <a:r>
+              <a:rPr lang="en-US" sz="1800" dirty="0">
+                <a:latin typeface="Bodoni MT" charset="0"/>
+                <a:cs typeface="Helvetica Neue" charset="0"/>
+              </a:rPr>
+              <a:t>CHALLENGES</a:t>
+            </a:r>
+          </a:p>
+          <a:p>
+            <a:r>
+              <a:rPr lang="en-US" sz="1600" b="1" dirty="0"/>
+              <a:t>Problem:</a:t>
+            </a:r>
+            <a:r>
+              <a:rPr lang="en-US" sz="1600" dirty="0"/>
+              <a:t> </a:t>
+            </a:r>
+            <a:r>
+              <a:rPr lang="en-US" sz="1600" dirty="0" err="1"/>
+              <a:t>WiFi</a:t>
+            </a:r>
+            <a:r>
+              <a:rPr lang="en-US" sz="1600" dirty="0"/>
+              <a:t> would sometimes fail to connect if the signal was poor.</a:t>
+            </a:r>
+            <a:br>
+              <a:rPr lang="en-US" sz="1600" dirty="0"/>
+            </a:br>
+            <a:r>
+              <a:rPr lang="en-US" sz="1600" b="1" dirty="0"/>
+              <a:t>Solution:</a:t>
+            </a:r>
+            <a:r>
+              <a:rPr lang="en-US" sz="1600" dirty="0"/>
+              <a:t> Attempt connection multiple times.</a:t>
+            </a:r>
+          </a:p>
+          <a:p>
+            <a:r>
+              <a:rPr lang="en-US" sz="1600" b="1" dirty="0"/>
+              <a:t>Problem:</a:t>
+            </a:r>
+            <a:r>
+              <a:rPr lang="en-US" sz="1600" dirty="0"/>
+              <a:t> No Zephyr library for interfacing with the CRICKIT board.</a:t>
+            </a:r>
+            <a:br>
+              <a:rPr lang="en-US" sz="1600" dirty="0"/>
+            </a:br>
+            <a:r>
+              <a:rPr lang="en-US" sz="1600" b="1" dirty="0"/>
+              <a:t>Solution:</a:t>
+            </a:r>
+            <a:r>
+              <a:rPr lang="en-US" sz="1600" dirty="0"/>
+              <a:t> Port Adafruit C++ seesaw library to Zephyr (uses same i2c messaging protocol) and wrote drivers for the CRICKIT.</a:t>
+            </a:r>
+            <a:endParaRPr lang="en-US" sz="1600" b="1" dirty="0">
+              <a:latin typeface="Bodoni MT" charset="0"/>
+              <a:cs typeface="Helvetica Neue" charset="0"/>
+            </a:endParaRPr>
+          </a:p>
+        </p:txBody>
+      </p:sp>
     </p:spTree>
   </p:cSld>
   <p:clrMapOvr>

--- a/CSSE4011_poster.pptx
+++ b/CSSE4011_poster.pptx
@@ -156,6 +156,115 @@
 </p:presentation>
 </file>
 
+<file path=ppt/revisionInfo.xml><?xml version="1.0" encoding="utf-8"?>
+<p1510:revInfo xmlns:a="http://schemas.openxmlformats.org/drawingml/2006/main" xmlns:r="http://schemas.openxmlformats.org/officeDocument/2006/relationships" xmlns:p1510="http://schemas.microsoft.com/office/powerpoint/2015/10/main">
+  <p1510:revLst>
+    <p1510:client id="{63561C00-D592-435B-92A7-B0F4EE3914C6}" v="3" dt="2021-05-23T04:25:03.480"/>
+  </p1510:revLst>
+</p1510:revInfo>
+</file>
+
+<file path=ppt/changesInfos/changesInfo1.xml><?xml version="1.0" encoding="utf-8"?>
+<pc:chgInfo xmlns:a="http://schemas.openxmlformats.org/drawingml/2006/main" xmlns:r="http://schemas.openxmlformats.org/officeDocument/2006/relationships" xmlns:ac="http://schemas.microsoft.com/office/drawing/2013/main/command" xmlns:pc="http://schemas.microsoft.com/office/powerpoint/2013/main/command">
+  <pc:docChgLst>
+    <pc:chgData name="Bryan Herrington" userId="8a8c8af9ed25995f" providerId="LiveId" clId="{63561C00-D592-435B-92A7-B0F4EE3914C6}"/>
+    <pc:docChg chg="undo redo custSel modSld">
+      <pc:chgData name="Bryan Herrington" userId="8a8c8af9ed25995f" providerId="LiveId" clId="{63561C00-D592-435B-92A7-B0F4EE3914C6}" dt="2021-05-23T04:43:10.290" v="483" actId="14100"/>
+      <pc:docMkLst>
+        <pc:docMk/>
+      </pc:docMkLst>
+      <pc:sldChg chg="addSp delSp modSp mod">
+        <pc:chgData name="Bryan Herrington" userId="8a8c8af9ed25995f" providerId="LiveId" clId="{63561C00-D592-435B-92A7-B0F4EE3914C6}" dt="2021-05-23T04:43:10.290" v="483" actId="14100"/>
+        <pc:sldMkLst>
+          <pc:docMk/>
+          <pc:sldMk cId="0" sldId="257"/>
+        </pc:sldMkLst>
+        <pc:spChg chg="mod">
+          <ac:chgData name="Bryan Herrington" userId="8a8c8af9ed25995f" providerId="LiveId" clId="{63561C00-D592-435B-92A7-B0F4EE3914C6}" dt="2021-05-23T04:25:17.764" v="475" actId="1076"/>
+          <ac:spMkLst>
+            <pc:docMk/>
+            <pc:sldMk cId="0" sldId="257"/>
+            <ac:spMk id="14" creationId="{57582D4C-7AC5-41C3-B874-C5C30830187A}"/>
+          </ac:spMkLst>
+        </pc:spChg>
+        <pc:spChg chg="mod">
+          <ac:chgData name="Bryan Herrington" userId="8a8c8af9ed25995f" providerId="LiveId" clId="{63561C00-D592-435B-92A7-B0F4EE3914C6}" dt="2021-05-23T04:27:38.175" v="482" actId="1076"/>
+          <ac:spMkLst>
+            <pc:docMk/>
+            <pc:sldMk cId="0" sldId="257"/>
+            <ac:spMk id="15" creationId="{B478566A-4B23-42DF-8FCD-B70064515889}"/>
+          </ac:spMkLst>
+        </pc:spChg>
+        <pc:spChg chg="add del mod">
+          <ac:chgData name="Bryan Herrington" userId="8a8c8af9ed25995f" providerId="LiveId" clId="{63561C00-D592-435B-92A7-B0F4EE3914C6}" dt="2021-05-23T04:25:03.480" v="469"/>
+          <ac:spMkLst>
+            <pc:docMk/>
+            <pc:sldMk cId="0" sldId="257"/>
+            <ac:spMk id="19" creationId="{E6193BA3-EBA5-473C-A7DC-7F22A743B37C}"/>
+          </ac:spMkLst>
+        </pc:spChg>
+        <pc:spChg chg="add mod">
+          <ac:chgData name="Bryan Herrington" userId="8a8c8af9ed25995f" providerId="LiveId" clId="{63561C00-D592-435B-92A7-B0F4EE3914C6}" dt="2021-05-23T03:37:14.388" v="459" actId="14100"/>
+          <ac:spMkLst>
+            <pc:docMk/>
+            <pc:sldMk cId="0" sldId="257"/>
+            <ac:spMk id="22" creationId="{494E94B7-4114-45CD-B8F8-384A4448E06B}"/>
+          </ac:spMkLst>
+        </pc:spChg>
+        <pc:spChg chg="mod">
+          <ac:chgData name="Bryan Herrington" userId="8a8c8af9ed25995f" providerId="LiveId" clId="{63561C00-D592-435B-92A7-B0F4EE3914C6}" dt="2021-05-23T04:27:24.341" v="481" actId="1076"/>
+          <ac:spMkLst>
+            <pc:docMk/>
+            <pc:sldMk cId="0" sldId="257"/>
+            <ac:spMk id="3077" creationId="{00000000-0000-0000-0000-000000000000}"/>
+          </ac:spMkLst>
+        </pc:spChg>
+        <pc:spChg chg="mod">
+          <ac:chgData name="Bryan Herrington" userId="8a8c8af9ed25995f" providerId="LiveId" clId="{63561C00-D592-435B-92A7-B0F4EE3914C6}" dt="2021-05-23T03:36:27.283" v="453" actId="1076"/>
+          <ac:spMkLst>
+            <pc:docMk/>
+            <pc:sldMk cId="0" sldId="257"/>
+            <ac:spMk id="3078" creationId="{00000000-0000-0000-0000-000000000000}"/>
+          </ac:spMkLst>
+        </pc:spChg>
+        <pc:picChg chg="del mod">
+          <ac:chgData name="Bryan Herrington" userId="8a8c8af9ed25995f" providerId="LiveId" clId="{63561C00-D592-435B-92A7-B0F4EE3914C6}" dt="2021-05-23T04:22:28.020" v="468" actId="478"/>
+          <ac:picMkLst>
+            <pc:docMk/>
+            <pc:sldMk cId="0" sldId="257"/>
+            <ac:picMk id="10" creationId="{E552B4F3-AE95-456B-93DA-F1F98693A737}"/>
+          </ac:picMkLst>
+        </pc:picChg>
+        <pc:picChg chg="del mod">
+          <ac:chgData name="Bryan Herrington" userId="8a8c8af9ed25995f" providerId="LiveId" clId="{63561C00-D592-435B-92A7-B0F4EE3914C6}" dt="2021-05-23T04:21:39.210" v="462" actId="478"/>
+          <ac:picMkLst>
+            <pc:docMk/>
+            <pc:sldMk cId="0" sldId="257"/>
+            <ac:picMk id="12" creationId="{C757783E-DC6B-4A44-A809-CCB7AD6D9B49}"/>
+          </ac:picMkLst>
+        </pc:picChg>
+        <pc:picChg chg="add mod">
+          <ac:chgData name="Bryan Herrington" userId="8a8c8af9ed25995f" providerId="LiveId" clId="{63561C00-D592-435B-92A7-B0F4EE3914C6}" dt="2021-05-23T04:43:10.290" v="483" actId="14100"/>
+          <ac:picMkLst>
+            <pc:docMk/>
+            <pc:sldMk cId="0" sldId="257"/>
+            <ac:picMk id="17" creationId="{2C2F7AAB-C546-4394-8E01-A3E496B780D6}"/>
+          </ac:picMkLst>
+        </pc:picChg>
+        <pc:picChg chg="add mod">
+          <ac:chgData name="Bryan Herrington" userId="8a8c8af9ed25995f" providerId="LiveId" clId="{63561C00-D592-435B-92A7-B0F4EE3914C6}" dt="2021-05-23T04:25:44.096" v="480" actId="14100"/>
+          <ac:picMkLst>
+            <pc:docMk/>
+            <pc:sldMk cId="0" sldId="257"/>
+            <ac:picMk id="21" creationId="{D1CA6F13-C2CB-4589-B22E-F8EBEA712D66}"/>
+          </ac:picMkLst>
+        </pc:picChg>
+      </pc:sldChg>
+    </pc:docChg>
+  </pc:docChgLst>
+</pc:chgInfo>
+</file>
+
 <file path=ppt/notesMasters/notesMaster1.xml><?xml version="1.0" encoding="utf-8"?>
 <p:notesMaster xmlns:a="http://schemas.openxmlformats.org/drawingml/2006/main" xmlns:r="http://schemas.openxmlformats.org/officeDocument/2006/relationships" xmlns:p="http://schemas.openxmlformats.org/presentationml/2006/main">
   <p:cSld>
@@ -253,7 +362,7 @@
               <a:pPr>
                 <a:defRPr/>
               </a:pPr>
-              <a:t>5/24/2021</a:t>
+              <a:t>5/22/2021</a:t>
             </a:fld>
             <a:endParaRPr lang="en-US"/>
           </a:p>
@@ -763,7 +872,7 @@
               <a:pPr>
                 <a:defRPr/>
               </a:pPr>
-              <a:t>5/24/2021</a:t>
+              <a:t>5/22/2021</a:t>
             </a:fld>
             <a:endParaRPr lang="en-US"/>
           </a:p>
@@ -1569,14 +1678,14 @@
           </a:ln>
           <a:extLst>
             <a:ext uri="{909E8E84-426E-40dd-AFC4-6F175D3DCCD1}">
-              <a14:hiddenFill xmlns:a14="http://schemas.microsoft.com/office/drawing/2010/main" xmlns="">
+              <a14:hiddenFill xmlns="" xmlns:a14="http://schemas.microsoft.com/office/drawing/2010/main">
                 <a:solidFill>
                   <a:srgbClr val="FFFFFF"/>
                 </a:solidFill>
               </a14:hiddenFill>
             </a:ext>
             <a:ext uri="{91240B29-F687-4f45-9708-019B960494DF}">
-              <a14:hiddenLine xmlns:a14="http://schemas.microsoft.com/office/drawing/2010/main" xmlns="" w="9525">
+              <a14:hiddenLine xmlns="" xmlns:a14="http://schemas.microsoft.com/office/drawing/2010/main" w="9525">
                 <a:solidFill>
                   <a:srgbClr val="000000"/>
                 </a:solidFill>
@@ -1628,14 +1737,14 @@
           </a:ln>
           <a:extLst>
             <a:ext uri="{909E8E84-426E-40dd-AFC4-6F175D3DCCD1}">
-              <a14:hiddenFill xmlns:a14="http://schemas.microsoft.com/office/drawing/2010/main" xmlns="">
+              <a14:hiddenFill xmlns="" xmlns:a14="http://schemas.microsoft.com/office/drawing/2010/main">
                 <a:solidFill>
                   <a:srgbClr val="FFFFFF"/>
                 </a:solidFill>
               </a14:hiddenFill>
             </a:ext>
             <a:ext uri="{91240B29-F687-4f45-9708-019B960494DF}">
-              <a14:hiddenLine xmlns:a14="http://schemas.microsoft.com/office/drawing/2010/main" xmlns="" w="9525">
+              <a14:hiddenLine xmlns="" xmlns:a14="http://schemas.microsoft.com/office/drawing/2010/main" w="9525">
                 <a:solidFill>
                   <a:srgbClr val="000000"/>
                 </a:solidFill>
@@ -1735,7 +1844,7 @@
               <a:pPr>
                 <a:defRPr/>
               </a:pPr>
-              <a:t>5/24/2021</a:t>
+              <a:t>5/22/2021</a:t>
             </a:fld>
             <a:endParaRPr lang="en-US"/>
           </a:p>
@@ -2275,7 +2384,7 @@
         <p:spPr>
           <a:xfrm>
             <a:off x="112713" y="1270000"/>
-            <a:ext cx="3498850" cy="3808627"/>
+            <a:ext cx="3498850" cy="7656513"/>
           </a:xfrm>
           <a:ln/>
         </p:spPr>
@@ -2468,8 +2577,8 @@
         </p:nvSpPr>
         <p:spPr>
           <a:xfrm>
-            <a:off x="5513655" y="1269355"/>
-            <a:ext cx="2555308" cy="441325"/>
+            <a:off x="5855492" y="1324943"/>
+            <a:ext cx="3500437" cy="441325"/>
           </a:xfrm>
           <a:ln/>
         </p:spPr>
@@ -2503,7 +2612,7 @@
         </p:nvSpPr>
         <p:spPr>
           <a:xfrm>
-            <a:off x="10916183" y="1498601"/>
+            <a:off x="11047945" y="1498601"/>
             <a:ext cx="3500437" cy="3769890"/>
           </a:xfrm>
           <a:ln/>
@@ -2577,7 +2686,7 @@
         </p:nvSpPr>
         <p:spPr bwMode="auto">
           <a:xfrm>
-            <a:off x="6576652" y="5610860"/>
+            <a:off x="5855493" y="6158368"/>
             <a:ext cx="3500437" cy="441325"/>
           </a:xfrm>
           <a:prstGeom prst="rect">
@@ -2592,14 +2701,14 @@
           </a:ln>
           <a:extLst>
             <a:ext uri="{909E8E84-426E-40dd-AFC4-6F175D3DCCD1}">
-              <a14:hiddenFill xmlns:a14="http://schemas.microsoft.com/office/drawing/2010/main" xmlns="">
+              <a14:hiddenFill xmlns="" xmlns:a14="http://schemas.microsoft.com/office/drawing/2010/main">
                 <a:solidFill>
                   <a:srgbClr val="FFFFFF"/>
                 </a:solidFill>
               </a14:hiddenFill>
             </a:ext>
             <a:ext uri="{91240B29-F687-4f45-9708-019B960494DF}">
-              <a14:hiddenLine xmlns:a14="http://schemas.microsoft.com/office/drawing/2010/main" xmlns="" w="9525">
+              <a14:hiddenLine xmlns="" xmlns:a14="http://schemas.microsoft.com/office/drawing/2010/main" w="9525">
                 <a:solidFill>
                   <a:srgbClr val="000000"/>
                 </a:solidFill>
@@ -2799,7 +2908,7 @@
         </p:nvSpPr>
         <p:spPr bwMode="auto">
           <a:xfrm>
-            <a:off x="10916183" y="3952386"/>
+            <a:off x="11029643" y="4358237"/>
             <a:ext cx="3517152" cy="4041586"/>
           </a:xfrm>
           <a:prstGeom prst="rect">
@@ -2814,14 +2923,14 @@
           </a:ln>
           <a:extLst>
             <a:ext uri="{909E8E84-426E-40dd-AFC4-6F175D3DCCD1}">
-              <a14:hiddenFill xmlns:a14="http://schemas.microsoft.com/office/drawing/2010/main" xmlns="">
+              <a14:hiddenFill xmlns="" xmlns:a14="http://schemas.microsoft.com/office/drawing/2010/main">
                 <a:solidFill>
                   <a:srgbClr val="FFFFFF"/>
                 </a:solidFill>
               </a14:hiddenFill>
             </a:ext>
             <a:ext uri="{91240B29-F687-4f45-9708-019B960494DF}">
-              <a14:hiddenLine xmlns:a14="http://schemas.microsoft.com/office/drawing/2010/main" xmlns="" w="9525">
+              <a14:hiddenLine xmlns="" xmlns:a14="http://schemas.microsoft.com/office/drawing/2010/main" w="9525">
                 <a:solidFill>
                   <a:srgbClr val="000000"/>
                 </a:solidFill>
@@ -3040,71 +3149,12 @@
           </a:p>
         </p:txBody>
       </p:sp>
-      <p:pic>
-        <p:nvPicPr>
-          <p:cNvPr id="3" name="Picture 2" descr="Diagram&#10;&#10;Description automatically generated">
+      <p:sp>
+        <p:nvSpPr>
+          <p:cNvPr id="22" name="Content Placeholder 1">
             <a:extLst>
               <a:ext uri="{FF2B5EF4-FFF2-40B4-BE49-F238E27FC236}">
-                <a16:creationId xmlns:a16="http://schemas.microsoft.com/office/drawing/2014/main" id="{DF74F9B7-38D2-473F-A973-04960EAD4AD6}"/>
-              </a:ext>
-            </a:extLst>
-          </p:cNvPr>
-          <p:cNvPicPr>
-            <a:picLocks noChangeAspect="1"/>
-          </p:cNvPicPr>
-          <p:nvPr/>
-        </p:nvPicPr>
-        <p:blipFill>
-          <a:blip r:embed="rId2"/>
-          <a:stretch>
-            <a:fillRect/>
-          </a:stretch>
-        </p:blipFill>
-        <p:spPr>
-          <a:xfrm>
-            <a:off x="4377797" y="1619217"/>
-            <a:ext cx="5772150" cy="4057650"/>
-          </a:xfrm>
-          <a:prstGeom prst="rect">
-            <a:avLst/>
-          </a:prstGeom>
-        </p:spPr>
-      </p:pic>
-      <p:pic>
-        <p:nvPicPr>
-          <p:cNvPr id="7" name="Content Placeholder 6" descr="Diagram&#10;&#10;Description automatically generated">
-            <a:extLst>
-              <a:ext uri="{FF2B5EF4-FFF2-40B4-BE49-F238E27FC236}">
-                <a16:creationId xmlns:a16="http://schemas.microsoft.com/office/drawing/2014/main" id="{84D76BC5-D3AD-4F1A-A6EC-D52F13495862}"/>
-              </a:ext>
-            </a:extLst>
-          </p:cNvPr>
-          <p:cNvPicPr>
-            <a:picLocks noGrp="1" noChangeAspect="1"/>
-          </p:cNvPicPr>
-          <p:nvPr>
-            <p:ph idx="13"/>
-          </p:nvPr>
-        </p:nvPicPr>
-        <p:blipFill>
-          <a:blip r:embed="rId3"/>
-          <a:stretch>
-            <a:fillRect/>
-          </a:stretch>
-        </p:blipFill>
-        <p:spPr>
-          <a:xfrm>
-            <a:off x="4377797" y="5973179"/>
-            <a:ext cx="6700818" cy="3686759"/>
-          </a:xfrm>
-        </p:spPr>
-      </p:pic>
-      <p:sp>
-        <p:nvSpPr>
-          <p:cNvPr id="17" name="Content Placeholder 1">
-            <a:extLst>
-              <a:ext uri="{FF2B5EF4-FFF2-40B4-BE49-F238E27FC236}">
-                <a16:creationId xmlns:a16="http://schemas.microsoft.com/office/drawing/2014/main" id="{F485966F-3608-40C3-A8A8-6A3FE0D018CB}"/>
+                <a16:creationId xmlns:a16="http://schemas.microsoft.com/office/drawing/2014/main" id="{494E94B7-4114-45CD-B8F8-384A4448E06B}"/>
               </a:ext>
             </a:extLst>
           </p:cNvPr>
@@ -3115,8 +3165,8 @@
         </p:nvSpPr>
         <p:spPr bwMode="auto">
           <a:xfrm>
-            <a:off x="124159" y="4868863"/>
-            <a:ext cx="3498850" cy="4057650"/>
+            <a:off x="212193" y="5098256"/>
+            <a:ext cx="3498850" cy="3964782"/>
           </a:xfrm>
           <a:prstGeom prst="rect">
             <a:avLst/>
@@ -3130,14 +3180,14 @@
           </a:ln>
           <a:extLst>
             <a:ext uri="{909E8E84-426E-40dd-AFC4-6F175D3DCCD1}">
-              <a14:hiddenFill xmlns:a14="http://schemas.microsoft.com/office/drawing/2010/main" xmlns="">
+              <a14:hiddenFill xmlns="" xmlns:a14="http://schemas.microsoft.com/office/drawing/2010/main">
                 <a:solidFill>
                   <a:srgbClr val="FFFFFF"/>
                 </a:solidFill>
               </a14:hiddenFill>
             </a:ext>
             <a:ext uri="{91240B29-F687-4f45-9708-019B960494DF}">
-              <a14:hiddenLine xmlns:a14="http://schemas.microsoft.com/office/drawing/2010/main" xmlns="" w="9525">
+              <a14:hiddenLine xmlns="" xmlns:a14="http://schemas.microsoft.com/office/drawing/2010/main" w="9525">
                 <a:solidFill>
                   <a:srgbClr val="000000"/>
                 </a:solidFill>
@@ -3312,65 +3362,116 @@
                 <a:latin typeface="Bodoni MT" charset="0"/>
                 <a:cs typeface="Helvetica Neue" charset="0"/>
               </a:rPr>
-              <a:t>CHALLENGES</a:t>
-            </a:r>
-          </a:p>
-          <a:p>
-            <a:r>
-              <a:rPr lang="en-US" sz="1600" b="1" dirty="0"/>
+              <a:t>CHALLENGES &amp; SOLUTIONS</a:t>
+            </a:r>
+          </a:p>
+          <a:p>
+            <a:r>
+              <a:rPr lang="en-US" b="1" dirty="0"/>
               <a:t>Problem:</a:t>
             </a:r>
             <a:r>
-              <a:rPr lang="en-US" sz="1600" dirty="0"/>
-              <a:t> </a:t>
-            </a:r>
-            <a:r>
-              <a:rPr lang="en-US" sz="1600" dirty="0" err="1"/>
-              <a:t>WiFi</a:t>
-            </a:r>
-            <a:r>
-              <a:rPr lang="en-US" sz="1600" dirty="0"/>
-              <a:t> would sometimes fail to connect if the signal was poor.</a:t>
+              <a:rPr lang="en-US" dirty="0"/>
+              <a:t> No Zephyr support for CKRICKIT board.</a:t>
             </a:r>
             <a:br>
-              <a:rPr lang="en-US" sz="1600" dirty="0"/>
+              <a:rPr lang="en-US" dirty="0"/>
             </a:br>
             <a:r>
-              <a:rPr lang="en-US" sz="1600" b="1" dirty="0"/>
-              <a:t>Solution:</a:t>
-            </a:r>
-            <a:r>
-              <a:rPr lang="en-US" sz="1600" dirty="0"/>
-              <a:t> Attempt connection multiple times.</a:t>
-            </a:r>
-          </a:p>
-          <a:p>
-            <a:r>
-              <a:rPr lang="en-US" sz="1600" b="1" dirty="0"/>
+              <a:rPr lang="en-US" b="1" dirty="0"/>
+              <a:t>Solution: </a:t>
+            </a:r>
+            <a:r>
+              <a:rPr lang="en-US" dirty="0"/>
+              <a:t>Ported the Adafruit seesaw C++ library to C used to create a driver.</a:t>
+            </a:r>
+          </a:p>
+          <a:p>
+            <a:endParaRPr lang="en-US" dirty="0"/>
+          </a:p>
+          <a:p>
+            <a:r>
+              <a:rPr lang="en-US" b="1" dirty="0"/>
               <a:t>Problem:</a:t>
             </a:r>
             <a:r>
-              <a:rPr lang="en-US" sz="1600" dirty="0"/>
-              <a:t> No Zephyr library for interfacing with the CRICKIT board.</a:t>
+              <a:rPr lang="en-US" dirty="0"/>
+              <a:t> Unstable methane sensor reading.</a:t>
             </a:r>
             <a:br>
-              <a:rPr lang="en-US" sz="1600" dirty="0"/>
+              <a:rPr lang="en-US" dirty="0"/>
             </a:br>
             <a:r>
-              <a:rPr lang="en-US" sz="1600" b="1" dirty="0"/>
-              <a:t>Solution:</a:t>
-            </a:r>
-            <a:r>
-              <a:rPr lang="en-US" sz="1600" dirty="0"/>
-              <a:t> Port Adafruit C++ seesaw library to Zephyr (uses same i2c messaging protocol) and wrote drivers for the CRICKIT.</a:t>
-            </a:r>
-            <a:endParaRPr lang="en-US" sz="1600" b="1" dirty="0">
-              <a:latin typeface="Bodoni MT" charset="0"/>
-              <a:cs typeface="Helvetica Neue" charset="0"/>
-            </a:endParaRPr>
+              <a:rPr lang="en-US" b="1" dirty="0"/>
+              <a:t>Solution: </a:t>
+            </a:r>
+            <a:r>
+              <a:rPr lang="en-US" dirty="0"/>
+              <a:t>Take average of many sensor readings and added 10nF capacitor to signal line.</a:t>
+            </a:r>
+            <a:endParaRPr lang="en-US" b="1" dirty="0"/>
           </a:p>
         </p:txBody>
       </p:sp>
+      <p:pic>
+        <p:nvPicPr>
+          <p:cNvPr id="17" name="Picture 16" descr="Diagram&#10;&#10;Description automatically generated">
+            <a:extLst>
+              <a:ext uri="{FF2B5EF4-FFF2-40B4-BE49-F238E27FC236}">
+                <a16:creationId xmlns:a16="http://schemas.microsoft.com/office/drawing/2014/main" id="{2C2F7AAB-C546-4394-8E01-A3E496B780D6}"/>
+              </a:ext>
+            </a:extLst>
+          </p:cNvPr>
+          <p:cNvPicPr>
+            <a:picLocks noChangeAspect="1"/>
+          </p:cNvPicPr>
+          <p:nvPr/>
+        </p:nvPicPr>
+        <p:blipFill>
+          <a:blip r:embed="rId2"/>
+          <a:stretch>
+            <a:fillRect/>
+          </a:stretch>
+        </p:blipFill>
+        <p:spPr>
+          <a:xfrm>
+            <a:off x="4040981" y="1791078"/>
+            <a:ext cx="5611019" cy="3944379"/>
+          </a:xfrm>
+          <a:prstGeom prst="rect">
+            <a:avLst/>
+          </a:prstGeom>
+        </p:spPr>
+      </p:pic>
+      <p:pic>
+        <p:nvPicPr>
+          <p:cNvPr id="21" name="Content Placeholder 20" descr="Diagram&#10;&#10;Description automatically generated">
+            <a:extLst>
+              <a:ext uri="{FF2B5EF4-FFF2-40B4-BE49-F238E27FC236}">
+                <a16:creationId xmlns:a16="http://schemas.microsoft.com/office/drawing/2014/main" id="{D1CA6F13-C2CB-4589-B22E-F8EBEA712D66}"/>
+              </a:ext>
+            </a:extLst>
+          </p:cNvPr>
+          <p:cNvPicPr>
+            <a:picLocks noGrp="1" noChangeAspect="1"/>
+          </p:cNvPicPr>
+          <p:nvPr>
+            <p:ph idx="13"/>
+          </p:nvPr>
+        </p:nvPicPr>
+        <p:blipFill>
+          <a:blip r:embed="rId3"/>
+          <a:stretch>
+            <a:fillRect/>
+          </a:stretch>
+        </p:blipFill>
+        <p:spPr>
+          <a:xfrm>
+            <a:off x="4040981" y="6550072"/>
+            <a:ext cx="6007189" cy="3305127"/>
+          </a:xfrm>
+        </p:spPr>
+      </p:pic>
     </p:spTree>
   </p:cSld>
   <p:clrMapOvr>
